--- a/Hybrid_Telecom_Intelligence_Animated_Ready.pptx
+++ b/Hybrid_Telecom_Intelligence_Animated_Ready.pptx
@@ -5,14 +5,15 @@
     <p:sldMasterId id="2147483648" r:id="rId1"/>
   </p:sldMasterIdLst>
   <p:notesMasterIdLst>
-    <p:notesMasterId r:id="rId7"/>
+    <p:notesMasterId r:id="rId8"/>
   </p:notesMasterIdLst>
   <p:sldIdLst>
     <p:sldId id="256" r:id="rId2"/>
     <p:sldId id="257" r:id="rId3"/>
     <p:sldId id="259" r:id="rId4"/>
     <p:sldId id="261" r:id="rId5"/>
-    <p:sldId id="258" r:id="rId6"/>
+    <p:sldId id="262" r:id="rId6"/>
+    <p:sldId id="258" r:id="rId7"/>
   </p:sldIdLst>
   <p:sldSz cx="9144000" cy="6858000" type="screen4x3"/>
   <p:notesSz cx="6858000" cy="9144000"/>
@@ -5044,6 +5045,225 @@
 </file>
 
 <file path=ppt/slides/slide5.xml><?xml version="1.0" encoding="utf-8"?>
+<p:sld xmlns:a="http://schemas.openxmlformats.org/drawingml/2006/main" xmlns:r="http://schemas.openxmlformats.org/officeDocument/2006/relationships" xmlns:p="http://schemas.openxmlformats.org/presentationml/2006/main">
+  <p:cSld>
+    <p:spTree>
+      <p:nvGrpSpPr>
+        <p:cNvPr id="1" name="">
+          <a:extLst>
+            <a:ext uri="{FF2B5EF4-FFF2-40B4-BE49-F238E27FC236}">
+              <a16:creationId xmlns:a16="http://schemas.microsoft.com/office/drawing/2014/main" id="{316AA214-078C-AD93-9AFA-3EF292C9570B}"/>
+            </a:ext>
+          </a:extLst>
+        </p:cNvPr>
+        <p:cNvGrpSpPr/>
+        <p:nvPr/>
+      </p:nvGrpSpPr>
+      <p:grpSpPr>
+        <a:xfrm>
+          <a:off x="0" y="0"/>
+          <a:ext cx="0" cy="0"/>
+          <a:chOff x="0" y="0"/>
+          <a:chExt cx="0" cy="0"/>
+        </a:xfrm>
+      </p:grpSpPr>
+      <p:sp>
+        <p:nvSpPr>
+          <p:cNvPr id="2" name="Rectangle 1">
+            <a:extLst>
+              <a:ext uri="{FF2B5EF4-FFF2-40B4-BE49-F238E27FC236}">
+                <a16:creationId xmlns:a16="http://schemas.microsoft.com/office/drawing/2014/main" id="{F80FB7C0-0D97-2844-32E7-605FD9AC2246}"/>
+              </a:ext>
+            </a:extLst>
+          </p:cNvPr>
+          <p:cNvSpPr/>
+          <p:nvPr/>
+        </p:nvSpPr>
+        <p:spPr>
+          <a:xfrm>
+            <a:off x="0" y="0"/>
+            <a:ext cx="9144000" cy="6858000"/>
+          </a:xfrm>
+          <a:prstGeom prst="rect">
+            <a:avLst/>
+          </a:prstGeom>
+          <a:solidFill>
+            <a:srgbClr val="0B1F3A"/>
+          </a:solidFill>
+          <a:ln>
+            <a:noFill/>
+          </a:ln>
+        </p:spPr>
+        <p:style>
+          <a:lnRef idx="1">
+            <a:schemeClr val="accent1"/>
+          </a:lnRef>
+          <a:fillRef idx="3">
+            <a:schemeClr val="accent1"/>
+          </a:fillRef>
+          <a:effectRef idx="2">
+            <a:schemeClr val="accent1"/>
+          </a:effectRef>
+          <a:fontRef idx="minor">
+            <a:schemeClr val="lt1"/>
+          </a:fontRef>
+        </p:style>
+        <p:txBody>
+          <a:bodyPr rtlCol="0" anchor="ctr"/>
+          <a:lstStyle/>
+          <a:p>
+            <a:pPr marR="0" lvl="0" algn="l" defTabSz="457200" rtl="0" eaLnBrk="1" fontAlgn="auto" latinLnBrk="0" hangingPunct="1">
+              <a:lnSpc>
+                <a:spcPct val="100000"/>
+              </a:lnSpc>
+              <a:spcBef>
+                <a:spcPct val="20000"/>
+              </a:spcBef>
+              <a:spcAft>
+                <a:spcPts val="0"/>
+              </a:spcAft>
+              <a:buClrTx/>
+              <a:buSzTx/>
+              <a:tabLst/>
+              <a:defRPr/>
+            </a:pPr>
+            <a:endParaRPr kumimoji="0" lang="en-US" sz="2800" b="0" i="0" u="none" strike="noStrike" kern="1200" cap="none" spc="0" normalizeH="0" baseline="0" noProof="0" dirty="0">
+              <a:ln>
+                <a:noFill/>
+              </a:ln>
+              <a:solidFill>
+                <a:schemeClr val="bg1"/>
+              </a:solidFill>
+              <a:effectLst/>
+              <a:uLnTx/>
+              <a:uFillTx/>
+              <a:latin typeface="Calibri"/>
+              <a:ea typeface="+mn-ea"/>
+              <a:cs typeface="+mn-cs"/>
+            </a:endParaRPr>
+          </a:p>
+        </p:txBody>
+      </p:sp>
+      <p:sp>
+        <p:nvSpPr>
+          <p:cNvPr id="7" name="TextBox 6">
+            <a:extLst>
+              <a:ext uri="{FF2B5EF4-FFF2-40B4-BE49-F238E27FC236}">
+                <a16:creationId xmlns:a16="http://schemas.microsoft.com/office/drawing/2014/main" id="{7948DD00-39C8-1F28-0B36-B2A781465421}"/>
+              </a:ext>
+            </a:extLst>
+          </p:cNvPr>
+          <p:cNvSpPr txBox="1"/>
+          <p:nvPr/>
+        </p:nvSpPr>
+        <p:spPr>
+          <a:xfrm>
+            <a:off x="228600" y="116414"/>
+            <a:ext cx="8686800" cy="615553"/>
+          </a:xfrm>
+          <a:prstGeom prst="rect">
+            <a:avLst/>
+          </a:prstGeom>
+          <a:noFill/>
+        </p:spPr>
+        <p:txBody>
+          <a:bodyPr wrap="square">
+            <a:spAutoFit/>
+          </a:bodyPr>
+          <a:lstStyle/>
+          <a:p>
+            <a:pPr>
+              <a:defRPr sz="3400" b="1">
+                <a:solidFill>
+                  <a:srgbClr val="FFFFFF"/>
+                </a:solidFill>
+              </a:defRPr>
+            </a:pPr>
+            <a:r>
+              <a:rPr lang="en-US" dirty="0"/>
+              <a:t>Sample Queries</a:t>
+            </a:r>
+            <a:endParaRPr dirty="0"/>
+          </a:p>
+        </p:txBody>
+      </p:sp>
+      <p:graphicFrame>
+        <p:nvGraphicFramePr>
+          <p:cNvPr id="5" name="Object 4">
+            <a:extLst>
+              <a:ext uri="{FF2B5EF4-FFF2-40B4-BE49-F238E27FC236}">
+                <a16:creationId xmlns:a16="http://schemas.microsoft.com/office/drawing/2014/main" id="{E8B1C3CA-C79E-9B7F-79C3-3B55601D3DD8}"/>
+              </a:ext>
+            </a:extLst>
+          </p:cNvPr>
+          <p:cNvGraphicFramePr>
+            <a:graphicFrameLocks noChangeAspect="1"/>
+          </p:cNvGraphicFramePr>
+          <p:nvPr>
+            <p:extLst>
+              <p:ext uri="{D42A27DB-BD31-4B8C-83A1-F6EECF244321}">
+                <p14:modId xmlns:p14="http://schemas.microsoft.com/office/powerpoint/2010/main" val="3079464699"/>
+              </p:ext>
+            </p:extLst>
+          </p:nvPr>
+        </p:nvGraphicFramePr>
+        <p:xfrm>
+          <a:off x="606056" y="848381"/>
+          <a:ext cx="7517218" cy="5637479"/>
+        </p:xfrm>
+        <a:graphic>
+          <a:graphicData uri="http://schemas.openxmlformats.org/presentationml/2006/ole">
+            <mc:AlternateContent xmlns:mc="http://schemas.openxmlformats.org/markup-compatibility/2006">
+              <mc:Choice xmlns:v="urn:schemas-microsoft-com:vml" Requires="v">
+                <p:oleObj name="Document" r:id="rId2" imgW="6858000" imgH="7759700" progId="Word.Document.12">
+                  <p:embed/>
+                </p:oleObj>
+              </mc:Choice>
+              <mc:Fallback>
+                <p:oleObj name="Document" r:id="rId2" imgW="6858000" imgH="7759700" progId="Word.Document.12">
+                  <p:embed/>
+                  <p:pic>
+                    <p:nvPicPr>
+                      <p:cNvPr id="0" name=""/>
+                      <p:cNvPicPr/>
+                      <p:nvPr/>
+                    </p:nvPicPr>
+                    <p:blipFill>
+                      <a:blip r:embed="rId3"/>
+                      <a:stretch>
+                        <a:fillRect/>
+                      </a:stretch>
+                    </p:blipFill>
+                    <p:spPr>
+                      <a:xfrm>
+                        <a:off x="606056" y="848381"/>
+                        <a:ext cx="7517218" cy="5637479"/>
+                      </a:xfrm>
+                      <a:prstGeom prst="rect">
+                        <a:avLst/>
+                      </a:prstGeom>
+                    </p:spPr>
+                  </p:pic>
+                </p:oleObj>
+              </mc:Fallback>
+            </mc:AlternateContent>
+          </a:graphicData>
+        </a:graphic>
+      </p:graphicFrame>
+    </p:spTree>
+    <p:extLst>
+      <p:ext uri="{BB962C8B-B14F-4D97-AF65-F5344CB8AC3E}">
+        <p14:creationId xmlns:p14="http://schemas.microsoft.com/office/powerpoint/2010/main" val="2410457881"/>
+      </p:ext>
+    </p:extLst>
+  </p:cSld>
+  <p:clrMapOvr>
+    <a:masterClrMapping/>
+  </p:clrMapOvr>
+</p:sld>
+</file>
+
+<file path=ppt/slides/slide6.xml><?xml version="1.0" encoding="utf-8"?>
 <p:sld xmlns:a="http://schemas.openxmlformats.org/drawingml/2006/main" xmlns:r="http://schemas.openxmlformats.org/officeDocument/2006/relationships" xmlns:p="http://schemas.openxmlformats.org/presentationml/2006/main">
   <p:cSld>
     <p:spTree>
